--- a/slides/03-ClosestPair.pptx
+++ b/slides/03-ClosestPair.pptx
@@ -1189,7 +1189,7 @@
             <a:fld id="{7AA5AD8F-F3B0-42A1-BADE-3E121779D997}" type="datetime1">
               <a:rPr lang="en-US" smtClean="0"/>
               <a:pPr/>
-              <a:t>9/1/22</a:t>
+              <a:t>9/30/22</a:t>
             </a:fld>
             <a:endParaRPr lang="en-US"/>
           </a:p>
@@ -1549,7 +1549,7 @@
             <a:fld id="{70B371D5-F170-4574-829E-67713AA2AF8B}" type="datetime1">
               <a:rPr lang="en-US" smtClean="0"/>
               <a:pPr/>
-              <a:t>9/1/22</a:t>
+              <a:t>9/30/22</a:t>
             </a:fld>
             <a:endParaRPr lang="en-US"/>
           </a:p>
@@ -1725,7 +1725,7 @@
             <a:fld id="{41DEAF00-D1FE-4F71-8891-85EEE31B7478}" type="datetime1">
               <a:rPr lang="en-US" smtClean="0"/>
               <a:pPr/>
-              <a:t>9/1/22</a:t>
+              <a:t>9/30/22</a:t>
             </a:fld>
             <a:endParaRPr lang="en-US"/>
           </a:p>
@@ -2042,7 +2042,7 @@
             <a:fld id="{94B9C8BD-ED75-4439-AD6B-9DD62AAFC8D9}" type="datetime1">
               <a:rPr lang="en-US" smtClean="0"/>
               <a:pPr/>
-              <a:t>9/1/22</a:t>
+              <a:t>9/30/22</a:t>
             </a:fld>
             <a:endParaRPr lang="en-US"/>
           </a:p>
@@ -2343,7 +2343,7 @@
             <a:fld id="{ECD93607-5884-4A96-A08B-80229D166DF1}" type="datetime1">
               <a:rPr lang="en-US" smtClean="0"/>
               <a:pPr/>
-              <a:t>9/1/22</a:t>
+              <a:t>9/30/22</a:t>
             </a:fld>
             <a:endParaRPr lang="en-US"/>
           </a:p>
@@ -2564,7 +2564,7 @@
             <a:fld id="{6F102B80-C461-45FB-9371-DFC9B0CCC0E5}" type="datetime1">
               <a:rPr lang="en-US" smtClean="0"/>
               <a:pPr/>
-              <a:t>9/1/22</a:t>
+              <a:t>9/30/22</a:t>
             </a:fld>
             <a:endParaRPr lang="en-US"/>
           </a:p>
@@ -2979,7 +2979,7 @@
             <a:fld id="{EA9CD99D-5207-446B-9DC5-D0DDD2D44051}" type="datetime1">
               <a:rPr lang="en-US" smtClean="0"/>
               <a:pPr/>
-              <a:t>9/1/22</a:t>
+              <a:t>9/30/22</a:t>
             </a:fld>
             <a:endParaRPr lang="en-US"/>
           </a:p>
@@ -3212,7 +3212,7 @@
             <a:fld id="{72673F1E-8F53-44C8-9921-41D9D265AD14}" type="datetime1">
               <a:rPr lang="en-US" smtClean="0"/>
               <a:pPr/>
-              <a:t>9/1/22</a:t>
+              <a:t>9/30/22</a:t>
             </a:fld>
             <a:endParaRPr lang="en-US"/>
           </a:p>
@@ -3354,7 +3354,7 @@
             <a:fld id="{E298527C-C606-48C4-B4D5-2567D6898083}" type="datetime1">
               <a:rPr lang="en-US" smtClean="0"/>
               <a:pPr/>
-              <a:t>9/1/22</a:t>
+              <a:t>9/30/22</a:t>
             </a:fld>
             <a:endParaRPr lang="en-US"/>
           </a:p>
@@ -3632,7 +3632,7 @@
             <a:fld id="{1539330C-42EA-483B-AECF-1BED7029D168}" type="datetime1">
               <a:rPr lang="en-US" smtClean="0"/>
               <a:pPr/>
-              <a:t>9/1/22</a:t>
+              <a:t>9/30/22</a:t>
             </a:fld>
             <a:endParaRPr lang="en-US"/>
           </a:p>
@@ -4040,7 +4040,7 @@
             <a:fld id="{6164C552-CBA0-44FF-B21C-CCB2A0CE4F32}" type="datetime1">
               <a:rPr lang="en-US" smtClean="0"/>
               <a:pPr/>
-              <a:t>9/1/22</a:t>
+              <a:t>9/30/22</a:t>
             </a:fld>
             <a:endParaRPr lang="en-US"/>
           </a:p>
@@ -4379,7 +4379,7 @@
             <a:fld id="{616F3C91-9847-4E06-A788-F916DE9E864B}" type="datetime1">
               <a:rPr lang="en-US" smtClean="0"/>
               <a:pPr/>
-              <a:t>9/1/22</a:t>
+              <a:t>9/30/22</a:t>
             </a:fld>
             <a:endParaRPr lang="en-US"/>
           </a:p>
@@ -4849,11 +4849,15 @@
               <a:t>More Divide and Conquer:</a:t>
             </a:r>
             <a:br>
+              <a:rPr lang="en-US"/>
+            </a:br>
+            <a:r>
+              <a:rPr lang="en-US"/>
+              <a:t>Closest </a:t>
+            </a:r>
+            <a:r>
               <a:rPr lang="en-US" dirty="0"/>
-            </a:br>
-            <a:r>
-              <a:rPr lang="en-US" dirty="0"/>
-              <a:t>Quicksort and Closest Pair of Points</a:t>
+              <a:t>Pair of Points</a:t>
             </a:r>
           </a:p>
         </p:txBody>
@@ -5740,8 +5744,8 @@
           </a:p>
         </p:txBody>
       </p:sp>
-      <mc:AlternateContent xmlns:mc="http://schemas.openxmlformats.org/markup-compatibility/2006">
-        <mc:Choice xmlns:a14="http://schemas.microsoft.com/office/drawing/2010/main" Requires="a14">
+      <mc:AlternateContent xmlns:mc="http://schemas.openxmlformats.org/markup-compatibility/2006" xmlns:a14="http://schemas.microsoft.com/office/drawing/2010/main">
+        <mc:Choice Requires="a14">
           <p:sp>
             <p:nvSpPr>
               <p:cNvPr id="33" name="TextBox 32"/>
@@ -5817,7 +5821,7 @@
             </p:txBody>
           </p:sp>
         </mc:Choice>
-        <mc:Fallback>
+        <mc:Fallback xmlns="">
           <p:sp>
             <p:nvSpPr>
               <p:cNvPr id="33" name="TextBox 32"/>
@@ -5856,8 +5860,8 @@
           </p:sp>
         </mc:Fallback>
       </mc:AlternateContent>
-      <mc:AlternateContent xmlns:mc="http://schemas.openxmlformats.org/markup-compatibility/2006">
-        <mc:Choice xmlns:a14="http://schemas.microsoft.com/office/drawing/2010/main" Requires="a14">
+      <mc:AlternateContent xmlns:mc="http://schemas.openxmlformats.org/markup-compatibility/2006" xmlns:a14="http://schemas.microsoft.com/office/drawing/2010/main">
+        <mc:Choice Requires="a14">
           <p:sp>
             <p:nvSpPr>
               <p:cNvPr id="34" name="TextBox 33"/>
@@ -5933,7 +5937,7 @@
             </p:txBody>
           </p:sp>
         </mc:Choice>
-        <mc:Fallback>
+        <mc:Fallback xmlns="">
           <p:sp>
             <p:nvSpPr>
               <p:cNvPr id="34" name="TextBox 33"/>
@@ -6060,8 +6064,8 @@
           </a:fontRef>
         </p:style>
       </p:cxnSp>
-      <mc:AlternateContent xmlns:mc="http://schemas.openxmlformats.org/markup-compatibility/2006">
-        <mc:Choice xmlns:a14="http://schemas.microsoft.com/office/drawing/2010/main" Requires="a14">
+      <mc:AlternateContent xmlns:mc="http://schemas.openxmlformats.org/markup-compatibility/2006" xmlns:a14="http://schemas.microsoft.com/office/drawing/2010/main">
+        <mc:Choice Requires="a14">
           <p:sp>
             <p:nvSpPr>
               <p:cNvPr id="37" name="TextBox 36"/>
@@ -6115,7 +6119,7 @@
             </p:txBody>
           </p:sp>
         </mc:Choice>
-        <mc:Fallback>
+        <mc:Fallback xmlns="">
           <p:sp>
             <p:nvSpPr>
               <p:cNvPr id="37" name="TextBox 36"/>
@@ -6154,8 +6158,8 @@
           </p:sp>
         </mc:Fallback>
       </mc:AlternateContent>
-      <mc:AlternateContent xmlns:mc="http://schemas.openxmlformats.org/markup-compatibility/2006">
-        <mc:Choice xmlns:a14="http://schemas.microsoft.com/office/drawing/2010/main" Requires="a14">
+      <mc:AlternateContent xmlns:mc="http://schemas.openxmlformats.org/markup-compatibility/2006" xmlns:a14="http://schemas.microsoft.com/office/drawing/2010/main">
+        <mc:Choice Requires="a14">
           <p:sp>
             <p:nvSpPr>
               <p:cNvPr id="28" name="TextBox 27"/>
@@ -6283,7 +6287,7 @@
             </p:txBody>
           </p:sp>
         </mc:Choice>
-        <mc:Fallback>
+        <mc:Fallback xmlns="">
           <p:sp>
             <p:nvSpPr>
               <p:cNvPr id="28" name="TextBox 27"/>
@@ -6351,8 +6355,8 @@
           </a:p>
         </p:txBody>
       </p:sp>
-      <mc:AlternateContent xmlns:mc="http://schemas.openxmlformats.org/markup-compatibility/2006">
-        <mc:Choice xmlns:a14="http://schemas.microsoft.com/office/drawing/2010/main" Requires="a14">
+      <mc:AlternateContent xmlns:mc="http://schemas.openxmlformats.org/markup-compatibility/2006" xmlns:a14="http://schemas.microsoft.com/office/drawing/2010/main">
+        <mc:Choice Requires="a14">
           <p:sp>
             <p:nvSpPr>
               <p:cNvPr id="5" name="TextBox 4"/>
@@ -6583,7 +6587,7 @@
             </p:txBody>
           </p:sp>
         </mc:Choice>
-        <mc:Fallback>
+        <mc:Fallback xmlns="">
           <p:sp>
             <p:nvSpPr>
               <p:cNvPr id="5" name="TextBox 4"/>
@@ -6748,8 +6752,8 @@
           </a:p>
         </p:txBody>
       </p:sp>
-      <mc:AlternateContent xmlns:mc="http://schemas.openxmlformats.org/markup-compatibility/2006">
-        <mc:Choice xmlns:a14="http://schemas.microsoft.com/office/drawing/2010/main" Requires="a14">
+      <mc:AlternateContent xmlns:mc="http://schemas.openxmlformats.org/markup-compatibility/2006" xmlns:a14="http://schemas.microsoft.com/office/drawing/2010/main">
+        <mc:Choice Requires="a14">
           <p:sp>
             <p:nvSpPr>
               <p:cNvPr id="35" name="TextBox 34">
@@ -6863,7 +6867,7 @@
             </p:txBody>
           </p:sp>
         </mc:Choice>
-        <mc:Fallback>
+        <mc:Fallback xmlns="">
           <p:sp>
             <p:nvSpPr>
               <p:cNvPr id="35" name="TextBox 34">
@@ -7914,8 +7918,8 @@
           </a:p>
         </p:txBody>
       </p:sp>
-      <mc:AlternateContent xmlns:mc="http://schemas.openxmlformats.org/markup-compatibility/2006">
-        <mc:Choice xmlns:a14="http://schemas.microsoft.com/office/drawing/2010/main" Requires="a14">
+      <mc:AlternateContent xmlns:mc="http://schemas.openxmlformats.org/markup-compatibility/2006" xmlns:a14="http://schemas.microsoft.com/office/drawing/2010/main">
+        <mc:Choice Requires="a14">
           <p:sp>
             <p:nvSpPr>
               <p:cNvPr id="33" name="TextBox 32"/>
@@ -7991,7 +7995,7 @@
             </p:txBody>
           </p:sp>
         </mc:Choice>
-        <mc:Fallback>
+        <mc:Fallback xmlns="">
           <p:sp>
             <p:nvSpPr>
               <p:cNvPr id="33" name="TextBox 32"/>
@@ -8030,8 +8034,8 @@
           </p:sp>
         </mc:Fallback>
       </mc:AlternateContent>
-      <mc:AlternateContent xmlns:mc="http://schemas.openxmlformats.org/markup-compatibility/2006">
-        <mc:Choice xmlns:a14="http://schemas.microsoft.com/office/drawing/2010/main" Requires="a14">
+      <mc:AlternateContent xmlns:mc="http://schemas.openxmlformats.org/markup-compatibility/2006" xmlns:a14="http://schemas.microsoft.com/office/drawing/2010/main">
+        <mc:Choice Requires="a14">
           <p:sp>
             <p:nvSpPr>
               <p:cNvPr id="34" name="TextBox 33"/>
@@ -8107,7 +8111,7 @@
             </p:txBody>
           </p:sp>
         </mc:Choice>
-        <mc:Fallback>
+        <mc:Fallback xmlns="">
           <p:sp>
             <p:nvSpPr>
               <p:cNvPr id="34" name="TextBox 33"/>
@@ -8234,8 +8238,8 @@
           </a:fontRef>
         </p:style>
       </p:cxnSp>
-      <mc:AlternateContent xmlns:mc="http://schemas.openxmlformats.org/markup-compatibility/2006">
-        <mc:Choice xmlns:a14="http://schemas.microsoft.com/office/drawing/2010/main" Requires="a14">
+      <mc:AlternateContent xmlns:mc="http://schemas.openxmlformats.org/markup-compatibility/2006" xmlns:a14="http://schemas.microsoft.com/office/drawing/2010/main">
+        <mc:Choice Requires="a14">
           <p:sp>
             <p:nvSpPr>
               <p:cNvPr id="37" name="TextBox 36"/>
@@ -8289,7 +8293,7 @@
             </p:txBody>
           </p:sp>
         </mc:Choice>
-        <mc:Fallback>
+        <mc:Fallback xmlns="">
           <p:sp>
             <p:nvSpPr>
               <p:cNvPr id="37" name="TextBox 36"/>
@@ -8357,8 +8361,8 @@
           </a:p>
         </p:txBody>
       </p:sp>
-      <mc:AlternateContent xmlns:mc="http://schemas.openxmlformats.org/markup-compatibility/2006">
-        <mc:Choice xmlns:a14="http://schemas.microsoft.com/office/drawing/2010/main" Requires="a14">
+      <mc:AlternateContent xmlns:mc="http://schemas.openxmlformats.org/markup-compatibility/2006" xmlns:a14="http://schemas.microsoft.com/office/drawing/2010/main">
+        <mc:Choice Requires="a14">
           <p:sp>
             <p:nvSpPr>
               <p:cNvPr id="35" name="TextBox 34"/>
@@ -8403,7 +8407,7 @@
             </p:txBody>
           </p:sp>
         </mc:Choice>
-        <mc:Fallback>
+        <mc:Fallback xmlns="">
           <p:sp>
             <p:nvSpPr>
               <p:cNvPr id="35" name="TextBox 34"/>
@@ -9456,8 +9460,8 @@
           </a:p>
         </p:txBody>
       </p:sp>
-      <mc:AlternateContent xmlns:mc="http://schemas.openxmlformats.org/markup-compatibility/2006">
-        <mc:Choice xmlns:a14="http://schemas.microsoft.com/office/drawing/2010/main" Requires="a14">
+      <mc:AlternateContent xmlns:mc="http://schemas.openxmlformats.org/markup-compatibility/2006" xmlns:a14="http://schemas.microsoft.com/office/drawing/2010/main">
+        <mc:Choice Requires="a14">
           <p:sp>
             <p:nvSpPr>
               <p:cNvPr id="33" name="TextBox 32"/>
@@ -9533,7 +9537,7 @@
             </p:txBody>
           </p:sp>
         </mc:Choice>
-        <mc:Fallback>
+        <mc:Fallback xmlns="">
           <p:sp>
             <p:nvSpPr>
               <p:cNvPr id="33" name="TextBox 32"/>
@@ -9572,8 +9576,8 @@
           </p:sp>
         </mc:Fallback>
       </mc:AlternateContent>
-      <mc:AlternateContent xmlns:mc="http://schemas.openxmlformats.org/markup-compatibility/2006">
-        <mc:Choice xmlns:a14="http://schemas.microsoft.com/office/drawing/2010/main" Requires="a14">
+      <mc:AlternateContent xmlns:mc="http://schemas.openxmlformats.org/markup-compatibility/2006" xmlns:a14="http://schemas.microsoft.com/office/drawing/2010/main">
+        <mc:Choice Requires="a14">
           <p:sp>
             <p:nvSpPr>
               <p:cNvPr id="34" name="TextBox 33"/>
@@ -9649,7 +9653,7 @@
             </p:txBody>
           </p:sp>
         </mc:Choice>
-        <mc:Fallback>
+        <mc:Fallback xmlns="">
           <p:sp>
             <p:nvSpPr>
               <p:cNvPr id="34" name="TextBox 33"/>
@@ -9776,8 +9780,8 @@
           </a:fontRef>
         </p:style>
       </p:cxnSp>
-      <mc:AlternateContent xmlns:mc="http://schemas.openxmlformats.org/markup-compatibility/2006">
-        <mc:Choice xmlns:a14="http://schemas.microsoft.com/office/drawing/2010/main" Requires="a14">
+      <mc:AlternateContent xmlns:mc="http://schemas.openxmlformats.org/markup-compatibility/2006" xmlns:a14="http://schemas.microsoft.com/office/drawing/2010/main">
+        <mc:Choice Requires="a14">
           <p:sp>
             <p:nvSpPr>
               <p:cNvPr id="37" name="TextBox 36"/>
@@ -9831,7 +9835,7 @@
             </p:txBody>
           </p:sp>
         </mc:Choice>
-        <mc:Fallback>
+        <mc:Fallback xmlns="">
           <p:sp>
             <p:nvSpPr>
               <p:cNvPr id="37" name="TextBox 36"/>
@@ -9870,8 +9874,8 @@
           </p:sp>
         </mc:Fallback>
       </mc:AlternateContent>
-      <mc:AlternateContent xmlns:mc="http://schemas.openxmlformats.org/markup-compatibility/2006">
-        <mc:Choice xmlns:a14="http://schemas.microsoft.com/office/drawing/2010/main" Requires="a14">
+      <mc:AlternateContent xmlns:mc="http://schemas.openxmlformats.org/markup-compatibility/2006" xmlns:a14="http://schemas.microsoft.com/office/drawing/2010/main">
+        <mc:Choice Requires="a14">
           <p:sp>
             <p:nvSpPr>
               <p:cNvPr id="35" name="TextBox 34"/>
@@ -9972,7 +9976,7 @@
             </p:txBody>
           </p:sp>
         </mc:Choice>
-        <mc:Fallback>
+        <mc:Fallback xmlns="">
           <p:sp>
             <p:nvSpPr>
               <p:cNvPr id="35" name="TextBox 34"/>
@@ -10137,8 +10141,8 @@
           </a:p>
         </p:txBody>
       </p:sp>
-      <mc:AlternateContent xmlns:mc="http://schemas.openxmlformats.org/markup-compatibility/2006">
-        <mc:Choice xmlns:a14="http://schemas.microsoft.com/office/drawing/2010/main" Requires="a14">
+      <mc:AlternateContent xmlns:mc="http://schemas.openxmlformats.org/markup-compatibility/2006" xmlns:a14="http://schemas.microsoft.com/office/drawing/2010/main">
+        <mc:Choice Requires="a14">
           <p:sp>
             <p:nvSpPr>
               <p:cNvPr id="30" name="TextBox 29">
@@ -10245,7 +10249,7 @@
             </p:txBody>
           </p:sp>
         </mc:Choice>
-        <mc:Fallback>
+        <mc:Fallback xmlns="">
           <p:sp>
             <p:nvSpPr>
               <p:cNvPr id="30" name="TextBox 29">
@@ -11460,8 +11464,8 @@
           </a:p>
         </p:txBody>
       </p:sp>
-      <mc:AlternateContent xmlns:mc="http://schemas.openxmlformats.org/markup-compatibility/2006">
-        <mc:Choice xmlns:a14="http://schemas.microsoft.com/office/drawing/2010/main" Requires="a14">
+      <mc:AlternateContent xmlns:mc="http://schemas.openxmlformats.org/markup-compatibility/2006" xmlns:a14="http://schemas.microsoft.com/office/drawing/2010/main">
+        <mc:Choice Requires="a14">
           <p:sp>
             <p:nvSpPr>
               <p:cNvPr id="26" name="TextBox 25">
@@ -11731,7 +11735,7 @@
             </p:txBody>
           </p:sp>
         </mc:Choice>
-        <mc:Fallback>
+        <mc:Fallback xmlns="">
           <p:sp>
             <p:nvSpPr>
               <p:cNvPr id="26" name="TextBox 25">
@@ -11830,8 +11834,8 @@
           </a:p>
         </p:txBody>
       </p:sp>
-      <mc:AlternateContent xmlns:mc="http://schemas.openxmlformats.org/markup-compatibility/2006">
-        <mc:Choice xmlns:a14="http://schemas.microsoft.com/office/drawing/2010/main" Requires="a14">
+      <mc:AlternateContent xmlns:mc="http://schemas.openxmlformats.org/markup-compatibility/2006" xmlns:a14="http://schemas.microsoft.com/office/drawing/2010/main">
+        <mc:Choice Requires="a14">
           <p:sp>
             <p:nvSpPr>
               <p:cNvPr id="4" name="TextBox 3">
@@ -11951,7 +11955,7 @@
             </p:txBody>
           </p:sp>
         </mc:Choice>
-        <mc:Fallback>
+        <mc:Fallback xmlns="">
           <p:sp>
             <p:nvSpPr>
               <p:cNvPr id="4" name="TextBox 3">
@@ -11996,8 +12000,8 @@
           </p:sp>
         </mc:Fallback>
       </mc:AlternateContent>
-      <mc:AlternateContent xmlns:mc="http://schemas.openxmlformats.org/markup-compatibility/2006">
-        <mc:Choice xmlns:a14="http://schemas.microsoft.com/office/drawing/2010/main" Requires="a14">
+      <mc:AlternateContent xmlns:mc="http://schemas.openxmlformats.org/markup-compatibility/2006" xmlns:a14="http://schemas.microsoft.com/office/drawing/2010/main">
+        <mc:Choice Requires="a14">
           <p:sp>
             <p:nvSpPr>
               <p:cNvPr id="8" name="TextBox 7">
@@ -12080,7 +12084,7 @@
             </p:txBody>
           </p:sp>
         </mc:Choice>
-        <mc:Fallback>
+        <mc:Fallback xmlns="">
           <p:sp>
             <p:nvSpPr>
               <p:cNvPr id="8" name="TextBox 7">
@@ -12125,8 +12129,8 @@
           </p:sp>
         </mc:Fallback>
       </mc:AlternateContent>
-      <mc:AlternateContent xmlns:mc="http://schemas.openxmlformats.org/markup-compatibility/2006">
-        <mc:Choice xmlns:a14="http://schemas.microsoft.com/office/drawing/2010/main" Requires="a14">
+      <mc:AlternateContent xmlns:mc="http://schemas.openxmlformats.org/markup-compatibility/2006" xmlns:a14="http://schemas.microsoft.com/office/drawing/2010/main">
+        <mc:Choice Requires="a14">
           <p:sp>
             <p:nvSpPr>
               <p:cNvPr id="10" name="TextBox 9">
@@ -12219,7 +12223,7 @@
             </p:txBody>
           </p:sp>
         </mc:Choice>
-        <mc:Fallback>
+        <mc:Fallback xmlns="">
           <p:sp>
             <p:nvSpPr>
               <p:cNvPr id="10" name="TextBox 9">
@@ -12264,8 +12268,8 @@
           </p:sp>
         </mc:Fallback>
       </mc:AlternateContent>
-      <mc:AlternateContent xmlns:mc="http://schemas.openxmlformats.org/markup-compatibility/2006">
-        <mc:Choice xmlns:a14="http://schemas.microsoft.com/office/drawing/2010/main" Requires="a14">
+      <mc:AlternateContent xmlns:mc="http://schemas.openxmlformats.org/markup-compatibility/2006" xmlns:a14="http://schemas.microsoft.com/office/drawing/2010/main">
+        <mc:Choice Requires="a14">
           <p:sp>
             <p:nvSpPr>
               <p:cNvPr id="11" name="TextBox 10">
@@ -12348,7 +12352,7 @@
             </p:txBody>
           </p:sp>
         </mc:Choice>
-        <mc:Fallback>
+        <mc:Fallback xmlns="">
           <p:sp>
             <p:nvSpPr>
               <p:cNvPr id="11" name="TextBox 10">
@@ -12393,8 +12397,8 @@
           </p:sp>
         </mc:Fallback>
       </mc:AlternateContent>
-      <mc:AlternateContent xmlns:mc="http://schemas.openxmlformats.org/markup-compatibility/2006">
-        <mc:Choice xmlns:a14="http://schemas.microsoft.com/office/drawing/2010/main" Requires="a14">
+      <mc:AlternateContent xmlns:mc="http://schemas.openxmlformats.org/markup-compatibility/2006" xmlns:a14="http://schemas.microsoft.com/office/drawing/2010/main">
+        <mc:Choice Requires="a14">
           <p:sp>
             <p:nvSpPr>
               <p:cNvPr id="13" name="TextBox 12">
@@ -12477,7 +12481,7 @@
             </p:txBody>
           </p:sp>
         </mc:Choice>
-        <mc:Fallback>
+        <mc:Fallback xmlns="">
           <p:sp>
             <p:nvSpPr>
               <p:cNvPr id="13" name="TextBox 12">
@@ -12522,8 +12526,8 @@
           </p:sp>
         </mc:Fallback>
       </mc:AlternateContent>
-      <mc:AlternateContent xmlns:mc="http://schemas.openxmlformats.org/markup-compatibility/2006">
-        <mc:Choice xmlns:a14="http://schemas.microsoft.com/office/drawing/2010/main" Requires="a14">
+      <mc:AlternateContent xmlns:mc="http://schemas.openxmlformats.org/markup-compatibility/2006" xmlns:a14="http://schemas.microsoft.com/office/drawing/2010/main">
+        <mc:Choice Requires="a14">
           <p:sp>
             <p:nvSpPr>
               <p:cNvPr id="6" name="TextBox 5">
@@ -12682,7 +12686,7 @@
             </p:txBody>
           </p:sp>
         </mc:Choice>
-        <mc:Fallback>
+        <mc:Fallback xmlns="">
           <p:sp>
             <p:nvSpPr>
               <p:cNvPr id="6" name="TextBox 5">
@@ -12727,8 +12731,8 @@
           </p:sp>
         </mc:Fallback>
       </mc:AlternateContent>
-      <mc:AlternateContent xmlns:mc="http://schemas.openxmlformats.org/markup-compatibility/2006">
-        <mc:Choice xmlns:a14="http://schemas.microsoft.com/office/drawing/2010/main" Requires="a14">
+      <mc:AlternateContent xmlns:mc="http://schemas.openxmlformats.org/markup-compatibility/2006" xmlns:a14="http://schemas.microsoft.com/office/drawing/2010/main">
+        <mc:Choice Requires="a14">
           <p:sp>
             <p:nvSpPr>
               <p:cNvPr id="14" name="TextBox 13">
@@ -12908,7 +12912,7 @@
             </p:txBody>
           </p:sp>
         </mc:Choice>
-        <mc:Fallback>
+        <mc:Fallback xmlns="">
           <p:sp>
             <p:nvSpPr>
               <p:cNvPr id="14" name="TextBox 13">
@@ -13043,8 +13047,8 @@
           </a:p>
         </p:txBody>
       </p:sp>
-      <mc:AlternateContent xmlns:mc="http://schemas.openxmlformats.org/markup-compatibility/2006">
-        <mc:Choice xmlns:a14="http://schemas.microsoft.com/office/drawing/2010/main" Requires="a14">
+      <mc:AlternateContent xmlns:mc="http://schemas.openxmlformats.org/markup-compatibility/2006" xmlns:a14="http://schemas.microsoft.com/office/drawing/2010/main">
+        <mc:Choice Requires="a14">
           <p:sp>
             <p:nvSpPr>
               <p:cNvPr id="18" name="TextBox 17">
@@ -13128,7 +13132,7 @@
             </p:txBody>
           </p:sp>
         </mc:Choice>
-        <mc:Fallback>
+        <mc:Fallback xmlns="">
           <p:sp>
             <p:nvSpPr>
               <p:cNvPr id="18" name="TextBox 17">
@@ -13173,8 +13177,8 @@
           </p:sp>
         </mc:Fallback>
       </mc:AlternateContent>
-      <mc:AlternateContent xmlns:mc="http://schemas.openxmlformats.org/markup-compatibility/2006">
-        <mc:Choice xmlns:a14="http://schemas.microsoft.com/office/drawing/2010/main" Requires="a14">
+      <mc:AlternateContent xmlns:mc="http://schemas.openxmlformats.org/markup-compatibility/2006" xmlns:a14="http://schemas.microsoft.com/office/drawing/2010/main">
+        <mc:Choice Requires="a14">
           <p:sp>
             <p:nvSpPr>
               <p:cNvPr id="19" name="TextBox 18">
@@ -13298,7 +13302,7 @@
             </p:txBody>
           </p:sp>
         </mc:Choice>
-        <mc:Fallback>
+        <mc:Fallback xmlns="">
           <p:sp>
             <p:nvSpPr>
               <p:cNvPr id="19" name="TextBox 18">
@@ -13343,8 +13347,8 @@
           </p:sp>
         </mc:Fallback>
       </mc:AlternateContent>
-      <mc:AlternateContent xmlns:mc="http://schemas.openxmlformats.org/markup-compatibility/2006">
-        <mc:Choice xmlns:a14="http://schemas.microsoft.com/office/drawing/2010/main" Requires="a14">
+      <mc:AlternateContent xmlns:mc="http://schemas.openxmlformats.org/markup-compatibility/2006" xmlns:a14="http://schemas.microsoft.com/office/drawing/2010/main">
+        <mc:Choice Requires="a14">
           <p:sp>
             <p:nvSpPr>
               <p:cNvPr id="20" name="TextBox 19">
@@ -13545,7 +13549,7 @@
             </p:txBody>
           </p:sp>
         </mc:Choice>
-        <mc:Fallback>
+        <mc:Fallback xmlns="">
           <p:sp>
             <p:nvSpPr>
               <p:cNvPr id="20" name="TextBox 19">
@@ -16009,8 +16013,8 @@
           </p:style>
         </p:cxnSp>
       </p:grpSp>
-      <mc:AlternateContent xmlns:mc="http://schemas.openxmlformats.org/markup-compatibility/2006">
-        <mc:Choice xmlns:a14="http://schemas.microsoft.com/office/drawing/2010/main" Requires="a14">
+      <mc:AlternateContent xmlns:mc="http://schemas.openxmlformats.org/markup-compatibility/2006" xmlns:a14="http://schemas.microsoft.com/office/drawing/2010/main">
+        <mc:Choice Requires="a14">
           <p:sp>
             <p:nvSpPr>
               <p:cNvPr id="38" name="TextBox 37"/>
@@ -16113,7 +16117,7 @@
             </p:txBody>
           </p:sp>
         </mc:Choice>
-        <mc:Fallback>
+        <mc:Fallback xmlns="">
           <p:sp>
             <p:nvSpPr>
               <p:cNvPr id="38" name="TextBox 37"/>
@@ -16191,8 +16195,8 @@
           </a:p>
         </p:txBody>
       </p:sp>
-      <mc:AlternateContent xmlns:mc="http://schemas.openxmlformats.org/markup-compatibility/2006">
-        <mc:Choice xmlns:a14="http://schemas.microsoft.com/office/drawing/2010/main" Requires="a14">
+      <mc:AlternateContent xmlns:mc="http://schemas.openxmlformats.org/markup-compatibility/2006" xmlns:a14="http://schemas.microsoft.com/office/drawing/2010/main">
+        <mc:Choice Requires="a14">
           <p:sp>
             <p:nvSpPr>
               <p:cNvPr id="26" name="TextBox 25">
@@ -16316,7 +16320,7 @@
             </p:txBody>
           </p:sp>
         </mc:Choice>
-        <mc:Fallback>
+        <mc:Fallback xmlns="">
           <p:sp>
             <p:nvSpPr>
               <p:cNvPr id="26" name="TextBox 25">
@@ -22479,8 +22483,8 @@
           </a:p>
         </p:txBody>
       </p:sp>
-      <mc:AlternateContent xmlns:mc="http://schemas.openxmlformats.org/markup-compatibility/2006">
-        <mc:Choice xmlns:a14="http://schemas.microsoft.com/office/drawing/2010/main" Requires="a14">
+      <mc:AlternateContent xmlns:mc="http://schemas.openxmlformats.org/markup-compatibility/2006" xmlns:a14="http://schemas.microsoft.com/office/drawing/2010/main">
+        <mc:Choice Requires="a14">
           <p:sp>
             <p:nvSpPr>
               <p:cNvPr id="33" name="TextBox 32"/>
@@ -22556,7 +22560,7 @@
             </p:txBody>
           </p:sp>
         </mc:Choice>
-        <mc:Fallback>
+        <mc:Fallback xmlns="">
           <p:sp>
             <p:nvSpPr>
               <p:cNvPr id="33" name="TextBox 32"/>
@@ -22595,8 +22599,8 @@
           </p:sp>
         </mc:Fallback>
       </mc:AlternateContent>
-      <mc:AlternateContent xmlns:mc="http://schemas.openxmlformats.org/markup-compatibility/2006">
-        <mc:Choice xmlns:a14="http://schemas.microsoft.com/office/drawing/2010/main" Requires="a14">
+      <mc:AlternateContent xmlns:mc="http://schemas.openxmlformats.org/markup-compatibility/2006" xmlns:a14="http://schemas.microsoft.com/office/drawing/2010/main">
+        <mc:Choice Requires="a14">
           <p:sp>
             <p:nvSpPr>
               <p:cNvPr id="34" name="TextBox 33"/>
@@ -22672,7 +22676,7 @@
             </p:txBody>
           </p:sp>
         </mc:Choice>
-        <mc:Fallback>
+        <mc:Fallback xmlns="">
           <p:sp>
             <p:nvSpPr>
               <p:cNvPr id="34" name="TextBox 33"/>
@@ -22711,8 +22715,8 @@
           </p:sp>
         </mc:Fallback>
       </mc:AlternateContent>
-      <mc:AlternateContent xmlns:mc="http://schemas.openxmlformats.org/markup-compatibility/2006">
-        <mc:Choice xmlns:a14="http://schemas.microsoft.com/office/drawing/2010/main" Requires="a14">
+      <mc:AlternateContent xmlns:mc="http://schemas.openxmlformats.org/markup-compatibility/2006" xmlns:a14="http://schemas.microsoft.com/office/drawing/2010/main">
+        <mc:Choice Requires="a14">
           <p:sp>
             <p:nvSpPr>
               <p:cNvPr id="35" name="TextBox 34"/>
@@ -22861,7 +22865,7 @@
             </p:txBody>
           </p:sp>
         </mc:Choice>
-        <mc:Fallback>
+        <mc:Fallback xmlns="">
           <p:sp>
             <p:nvSpPr>
               <p:cNvPr id="35" name="TextBox 34"/>
@@ -22988,8 +22992,8 @@
           </a:fontRef>
         </p:style>
       </p:cxnSp>
-      <mc:AlternateContent xmlns:mc="http://schemas.openxmlformats.org/markup-compatibility/2006">
-        <mc:Choice xmlns:a14="http://schemas.microsoft.com/office/drawing/2010/main" Requires="a14">
+      <mc:AlternateContent xmlns:mc="http://schemas.openxmlformats.org/markup-compatibility/2006" xmlns:a14="http://schemas.microsoft.com/office/drawing/2010/main">
+        <mc:Choice Requires="a14">
           <p:sp>
             <p:nvSpPr>
               <p:cNvPr id="37" name="TextBox 36"/>
@@ -23043,7 +23047,7 @@
             </p:txBody>
           </p:sp>
         </mc:Choice>
-        <mc:Fallback>
+        <mc:Fallback xmlns="">
           <p:sp>
             <p:nvSpPr>
               <p:cNvPr id="37" name="TextBox 36"/>
